--- a/blob/IOT_MID.pptx
+++ b/blob/IOT_MID.pptx
@@ -8,10 +8,10 @@
     <p:sldMasterId id="2147483724" r:id="rId4"/>
   </p:sldMasterIdLst>
   <p:notesMasterIdLst>
-    <p:notesMasterId r:id="rId10"/>
+    <p:notesMasterId r:id="rId11"/>
   </p:notesMasterIdLst>
   <p:handoutMasterIdLst>
-    <p:handoutMasterId r:id="rId11"/>
+    <p:handoutMasterId r:id="rId12"/>
   </p:handoutMasterIdLst>
   <p:sldIdLst>
     <p:sldId id="446" r:id="rId5"/>
@@ -19,6 +19,7 @@
     <p:sldId id="449" r:id="rId7"/>
     <p:sldId id="441" r:id="rId8"/>
     <p:sldId id="427" r:id="rId9"/>
+    <p:sldId id="450" r:id="rId10"/>
   </p:sldIdLst>
   <p:sldSz cx="12192000" cy="6858000"/>
   <p:notesSz cx="6858000" cy="9144000"/>
@@ -3712,7 +3713,7 @@
           <a:p>
             <a:fld id="{E54A69E4-EFBB-4687-8058-A94EE1B5781B}" type="datetimeFigureOut">
               <a:rPr lang="en-US" smtClean="0"/>
-              <a:t>11/1/22</a:t>
+              <a:t>11/5/22</a:t>
             </a:fld>
             <a:endParaRPr lang="en-US" dirty="0"/>
           </a:p>
@@ -3889,7 +3890,7 @@
           <a:p>
             <a:fld id="{CDE546B2-EB9C-4E9C-8793-C25F32D58B9A}" type="datetimeFigureOut">
               <a:rPr lang="en-US" smtClean="0"/>
-              <a:t>11/1/22</a:t>
+              <a:t>11/5/22</a:t>
             </a:fld>
             <a:endParaRPr lang="en-US" dirty="0"/>
           </a:p>
@@ -8417,7 +8418,7 @@
           <a:p>
             <a:fld id="{8F310904-DE8F-4B8E-99C6-5AFA03672FFA}" type="datetimeFigureOut">
               <a:rPr lang="en-US" smtClean="0"/>
-              <a:t>11/1/22</a:t>
+              <a:t>11/5/22</a:t>
             </a:fld>
             <a:endParaRPr lang="en-US" dirty="0"/>
           </a:p>
@@ -8948,7 +8949,7 @@
           <a:p>
             <a:fld id="{8F310904-DE8F-4B8E-99C6-5AFA03672FFA}" type="datetimeFigureOut">
               <a:rPr lang="en-US" smtClean="0"/>
-              <a:t>11/1/22</a:t>
+              <a:t>11/5/22</a:t>
             </a:fld>
             <a:endParaRPr lang="en-US" dirty="0"/>
           </a:p>
@@ -9476,7 +9477,7 @@
           <a:p>
             <a:fld id="{8F310904-DE8F-4B8E-99C6-5AFA03672FFA}" type="datetimeFigureOut">
               <a:rPr lang="en-US" smtClean="0"/>
-              <a:t>11/1/22</a:t>
+              <a:t>11/5/22</a:t>
             </a:fld>
             <a:endParaRPr lang="en-US" dirty="0"/>
           </a:p>
@@ -10004,7 +10005,7 @@
           <a:p>
             <a:fld id="{8F310904-DE8F-4B8E-99C6-5AFA03672FFA}" type="datetimeFigureOut">
               <a:rPr lang="en-US" smtClean="0"/>
-              <a:t>11/1/22</a:t>
+              <a:t>11/5/22</a:t>
             </a:fld>
             <a:endParaRPr lang="en-US" dirty="0"/>
           </a:p>
@@ -12251,6 +12252,278 @@
     <p:extLst>
       <p:ext uri="{BB962C8B-B14F-4D97-AF65-F5344CB8AC3E}">
         <p14:creationId xmlns:p14="http://schemas.microsoft.com/office/powerpoint/2010/main" val="2708177211"/>
+      </p:ext>
+    </p:extLst>
+  </p:cSld>
+  <p:clrMapOvr>
+    <a:masterClrMapping/>
+  </p:clrMapOvr>
+</p:sld>
+</file>
+
+<file path=ppt/slides/slide6.xml><?xml version="1.0" encoding="utf-8"?>
+<p:sld xmlns:a="http://schemas.openxmlformats.org/drawingml/2006/main" xmlns:r="http://schemas.openxmlformats.org/officeDocument/2006/relationships" xmlns:p="http://schemas.openxmlformats.org/presentationml/2006/main">
+  <p:cSld>
+    <p:spTree>
+      <p:nvGrpSpPr>
+        <p:cNvPr id="1" name=""/>
+        <p:cNvGrpSpPr/>
+        <p:nvPr/>
+      </p:nvGrpSpPr>
+      <p:grpSpPr>
+        <a:xfrm>
+          <a:off x="0" y="0"/>
+          <a:ext cx="0" cy="0"/>
+          <a:chOff x="0" y="0"/>
+          <a:chExt cx="0" cy="0"/>
+        </a:xfrm>
+      </p:grpSpPr>
+      <p:sp>
+        <p:nvSpPr>
+          <p:cNvPr id="2" name="Title 1">
+            <a:extLst>
+              <a:ext uri="{FF2B5EF4-FFF2-40B4-BE49-F238E27FC236}">
+                <a16:creationId xmlns:a16="http://schemas.microsoft.com/office/drawing/2014/main" id="{ECEE6745-62F4-AEFB-371C-D1F8D29BC466}"/>
+              </a:ext>
+            </a:extLst>
+          </p:cNvPr>
+          <p:cNvSpPr>
+            <a:spLocks noGrp="1"/>
+          </p:cNvSpPr>
+          <p:nvPr>
+            <p:ph type="title"/>
+          </p:nvPr>
+        </p:nvSpPr>
+        <p:spPr/>
+        <p:txBody>
+          <a:bodyPr>
+            <a:normAutofit/>
+          </a:bodyPr>
+          <a:lstStyle/>
+          <a:p>
+            <a:r>
+              <a:rPr lang="en-TW" dirty="0"/>
+              <a:t>可能的新增功能</a:t>
+            </a:r>
+          </a:p>
+        </p:txBody>
+      </p:sp>
+      <p:sp>
+        <p:nvSpPr>
+          <p:cNvPr id="3" name="Text Placeholder 2">
+            <a:extLst>
+              <a:ext uri="{FF2B5EF4-FFF2-40B4-BE49-F238E27FC236}">
+                <a16:creationId xmlns:a16="http://schemas.microsoft.com/office/drawing/2014/main" id="{29C99A34-23E2-946C-F1CA-5B72EEAC0AE1}"/>
+              </a:ext>
+            </a:extLst>
+          </p:cNvPr>
+          <p:cNvSpPr>
+            <a:spLocks noGrp="1"/>
+          </p:cNvSpPr>
+          <p:nvPr>
+            <p:ph type="body" sz="quarter" idx="14"/>
+          </p:nvPr>
+        </p:nvSpPr>
+        <p:spPr/>
+        <p:txBody>
+          <a:bodyPr/>
+          <a:lstStyle/>
+          <a:p>
+            <a:r>
+              <a:rPr lang="en-TW" dirty="0"/>
+              <a:t>視覺化資料庫內的資料以方便管理者能一目</a:t>
+            </a:r>
+            <a:r>
+              <a:rPr lang="zh-TW" altLang="en-US" dirty="0"/>
+              <a:t>瞭然。</a:t>
+            </a:r>
+            <a:endParaRPr lang="en-TW" dirty="0"/>
+          </a:p>
+          <a:p>
+            <a:endParaRPr lang="en-TW" dirty="0"/>
+          </a:p>
+        </p:txBody>
+      </p:sp>
+      <p:pic>
+        <p:nvPicPr>
+          <p:cNvPr id="1026" name="Picture 2" descr="Php - ícones de marcas e logotipos grátis">
+            <a:extLst>
+              <a:ext uri="{FF2B5EF4-FFF2-40B4-BE49-F238E27FC236}">
+                <a16:creationId xmlns:a16="http://schemas.microsoft.com/office/drawing/2014/main" id="{1A99E442-FCAA-117D-7DD0-E01826963BEB}"/>
+              </a:ext>
+            </a:extLst>
+          </p:cNvPr>
+          <p:cNvPicPr>
+            <a:picLocks noChangeAspect="1" noChangeArrowheads="1"/>
+          </p:cNvPicPr>
+          <p:nvPr/>
+        </p:nvPicPr>
+        <p:blipFill>
+          <a:blip r:embed="rId2">
+            <a:extLst>
+              <a:ext uri="{28A0092B-C50C-407E-A947-70E740481C1C}">
+                <a14:useLocalDpi xmlns:a14="http://schemas.microsoft.com/office/drawing/2010/main" val="0"/>
+              </a:ext>
+            </a:extLst>
+          </a:blip>
+          <a:srcRect/>
+          <a:stretch>
+            <a:fillRect/>
+          </a:stretch>
+        </p:blipFill>
+        <p:spPr bwMode="auto">
+          <a:xfrm>
+            <a:off x="4474780" y="175173"/>
+            <a:ext cx="2814810" cy="2814810"/>
+          </a:xfrm>
+          <a:prstGeom prst="rect">
+            <a:avLst/>
+          </a:prstGeom>
+          <a:noFill/>
+          <a:extLst>
+            <a:ext uri="{909E8E84-426E-40DD-AFC4-6F175D3DCCD1}">
+              <a14:hiddenFill xmlns:a14="http://schemas.microsoft.com/office/drawing/2010/main">
+                <a:solidFill>
+                  <a:srgbClr val="FFFFFF"/>
+                </a:solidFill>
+              </a14:hiddenFill>
+            </a:ext>
+          </a:extLst>
+        </p:spPr>
+      </p:pic>
+      <p:pic>
+        <p:nvPicPr>
+          <p:cNvPr id="1028" name="Picture 4" descr="Js - Free logo icons">
+            <a:extLst>
+              <a:ext uri="{FF2B5EF4-FFF2-40B4-BE49-F238E27FC236}">
+                <a16:creationId xmlns:a16="http://schemas.microsoft.com/office/drawing/2014/main" id="{FAE842D3-5064-7FEF-2122-1772BA181680}"/>
+              </a:ext>
+            </a:extLst>
+          </p:cNvPr>
+          <p:cNvPicPr>
+            <a:picLocks noChangeAspect="1" noChangeArrowheads="1"/>
+          </p:cNvPicPr>
+          <p:nvPr/>
+        </p:nvPicPr>
+        <p:blipFill>
+          <a:blip r:embed="rId3">
+            <a:extLst>
+              <a:ext uri="{28A0092B-C50C-407E-A947-70E740481C1C}">
+                <a14:useLocalDpi xmlns:a14="http://schemas.microsoft.com/office/drawing/2010/main" val="0"/>
+              </a:ext>
+            </a:extLst>
+          </a:blip>
+          <a:srcRect/>
+          <a:stretch>
+            <a:fillRect/>
+          </a:stretch>
+        </p:blipFill>
+        <p:spPr bwMode="auto">
+          <a:xfrm>
+            <a:off x="7687670" y="1582578"/>
+            <a:ext cx="3619501" cy="3619501"/>
+          </a:xfrm>
+          <a:prstGeom prst="rect">
+            <a:avLst/>
+          </a:prstGeom>
+          <a:noFill/>
+          <a:extLst>
+            <a:ext uri="{909E8E84-426E-40DD-AFC4-6F175D3DCCD1}">
+              <a14:hiddenFill xmlns:a14="http://schemas.microsoft.com/office/drawing/2010/main">
+                <a:solidFill>
+                  <a:srgbClr val="FFFFFF"/>
+                </a:solidFill>
+              </a14:hiddenFill>
+            </a:ext>
+          </a:extLst>
+        </p:spPr>
+      </p:pic>
+      <p:pic>
+        <p:nvPicPr>
+          <p:cNvPr id="1030" name="Picture 6" descr="google-chart | Vaadin">
+            <a:extLst>
+              <a:ext uri="{FF2B5EF4-FFF2-40B4-BE49-F238E27FC236}">
+                <a16:creationId xmlns:a16="http://schemas.microsoft.com/office/drawing/2014/main" id="{2A105861-41AA-F90B-3992-F5FD89A5D10A}"/>
+              </a:ext>
+            </a:extLst>
+          </p:cNvPr>
+          <p:cNvPicPr>
+            <a:picLocks noChangeAspect="1" noChangeArrowheads="1"/>
+          </p:cNvPicPr>
+          <p:nvPr/>
+        </p:nvPicPr>
+        <p:blipFill>
+          <a:blip r:embed="rId4">
+            <a:extLst>
+              <a:ext uri="{28A0092B-C50C-407E-A947-70E740481C1C}">
+                <a14:useLocalDpi xmlns:a14="http://schemas.microsoft.com/office/drawing/2010/main" val="0"/>
+              </a:ext>
+            </a:extLst>
+          </a:blip>
+          <a:srcRect/>
+          <a:stretch>
+            <a:fillRect/>
+          </a:stretch>
+        </p:blipFill>
+        <p:spPr bwMode="auto">
+          <a:xfrm>
+            <a:off x="4704054" y="3598917"/>
+            <a:ext cx="2540000" cy="2540000"/>
+          </a:xfrm>
+          <a:prstGeom prst="rect">
+            <a:avLst/>
+          </a:prstGeom>
+          <a:noFill/>
+          <a:extLst>
+            <a:ext uri="{909E8E84-426E-40DD-AFC4-6F175D3DCCD1}">
+              <a14:hiddenFill xmlns:a14="http://schemas.microsoft.com/office/drawing/2010/main">
+                <a:solidFill>
+                  <a:srgbClr val="FFFFFF"/>
+                </a:solidFill>
+              </a14:hiddenFill>
+            </a:ext>
+          </a:extLst>
+        </p:spPr>
+      </p:pic>
+      <p:sp>
+        <p:nvSpPr>
+          <p:cNvPr id="6" name="TextBox 5">
+            <a:extLst>
+              <a:ext uri="{FF2B5EF4-FFF2-40B4-BE49-F238E27FC236}">
+                <a16:creationId xmlns:a16="http://schemas.microsoft.com/office/drawing/2014/main" id="{89D37BAD-4C3E-7681-C904-93A94C9987E4}"/>
+              </a:ext>
+            </a:extLst>
+          </p:cNvPr>
+          <p:cNvSpPr txBox="1"/>
+          <p:nvPr/>
+        </p:nvSpPr>
+        <p:spPr>
+          <a:xfrm>
+            <a:off x="4501679" y="5954251"/>
+            <a:ext cx="6037487" cy="369332"/>
+          </a:xfrm>
+          <a:prstGeom prst="rect">
+            <a:avLst/>
+          </a:prstGeom>
+          <a:noFill/>
+        </p:spPr>
+        <p:txBody>
+          <a:bodyPr wrap="none" rtlCol="0">
+            <a:spAutoFit/>
+          </a:bodyPr>
+          <a:lstStyle/>
+          <a:p>
+            <a:r>
+              <a:rPr lang="en-TW" dirty="0"/>
+              <a:t>可能會使用Google Chart的API來生成資料視覺化的圖形。</a:t>
+            </a:r>
+          </a:p>
+        </p:txBody>
+      </p:sp>
+    </p:spTree>
+    <p:extLst>
+      <p:ext uri="{BB962C8B-B14F-4D97-AF65-F5344CB8AC3E}">
+        <p14:creationId xmlns:p14="http://schemas.microsoft.com/office/powerpoint/2010/main" val="4143469119"/>
       </p:ext>
     </p:extLst>
   </p:cSld>
